--- a/ppt 16-9/1373.当纳十分之一.pptx
+++ b/ppt 16-9/1373.当纳十分之一.pptx
@@ -129,7 +129,7 @@
           <p:cNvPr id="2" name="标题 1">
             <a:extLst>
               <a:ext uri="{FF2B5EF4-FFF2-40B4-BE49-F238E27FC236}">
-                <a16:creationId xmlns:a16="http://schemas.microsoft.com/office/drawing/2014/main" id="{3E7CCCD0-F8C2-D585-E768-DF8ACB84DEB9}"/>
+                <a16:creationId xmlns:a16="http://schemas.microsoft.com/office/drawing/2014/main" id="{6DA22B12-E620-A675-57AA-687AB1F5E675}"/>
               </a:ext>
             </a:extLst>
           </p:cNvPr>
@@ -166,7 +166,7 @@
           <p:cNvPr id="3" name="副标题 2">
             <a:extLst>
               <a:ext uri="{FF2B5EF4-FFF2-40B4-BE49-F238E27FC236}">
-                <a16:creationId xmlns:a16="http://schemas.microsoft.com/office/drawing/2014/main" id="{7DC2E513-D379-D7D7-C1C4-9C6DFFFF2B94}"/>
+                <a16:creationId xmlns:a16="http://schemas.microsoft.com/office/drawing/2014/main" id="{2506F013-C7C2-13FA-0559-6225656F9E9E}"/>
               </a:ext>
             </a:extLst>
           </p:cNvPr>
@@ -236,7 +236,7 @@
           <p:cNvPr id="4" name="日期占位符 3">
             <a:extLst>
               <a:ext uri="{FF2B5EF4-FFF2-40B4-BE49-F238E27FC236}">
-                <a16:creationId xmlns:a16="http://schemas.microsoft.com/office/drawing/2014/main" id="{1A9091B0-A5DE-51B0-E42C-FF4AF676447A}"/>
+                <a16:creationId xmlns:a16="http://schemas.microsoft.com/office/drawing/2014/main" id="{A2B4C36B-824D-F186-D9A5-D58D05F9A479}"/>
               </a:ext>
             </a:extLst>
           </p:cNvPr>
@@ -252,7 +252,7 @@
           <a:bodyPr/>
           <a:lstStyle/>
           <a:p>
-            <a:fld id="{C273802F-57CA-4081-B905-5333778B383D}" type="datetimeFigureOut">
+            <a:fld id="{10C4C061-1FC4-4F11-8DB2-CB378A18CF6F}" type="datetimeFigureOut">
               <a:rPr lang="zh-CN" altLang="en-US" smtClean="0"/>
               <a:t>2024/3/10</a:t>
             </a:fld>
@@ -265,7 +265,7 @@
           <p:cNvPr id="5" name="页脚占位符 4">
             <a:extLst>
               <a:ext uri="{FF2B5EF4-FFF2-40B4-BE49-F238E27FC236}">
-                <a16:creationId xmlns:a16="http://schemas.microsoft.com/office/drawing/2014/main" id="{D9AFC005-1282-903A-3F50-0BFCDD11AF05}"/>
+                <a16:creationId xmlns:a16="http://schemas.microsoft.com/office/drawing/2014/main" id="{09897B82-94D2-6A6F-1FB1-D1AC31ADAD2A}"/>
               </a:ext>
             </a:extLst>
           </p:cNvPr>
@@ -290,7 +290,7 @@
           <p:cNvPr id="6" name="灯片编号占位符 5">
             <a:extLst>
               <a:ext uri="{FF2B5EF4-FFF2-40B4-BE49-F238E27FC236}">
-                <a16:creationId xmlns:a16="http://schemas.microsoft.com/office/drawing/2014/main" id="{F6283B4D-9638-48E2-D2E5-77C10C926C8B}"/>
+                <a16:creationId xmlns:a16="http://schemas.microsoft.com/office/drawing/2014/main" id="{3CD64671-0F10-DC56-7985-892D8A0A5574}"/>
               </a:ext>
             </a:extLst>
           </p:cNvPr>
@@ -306,7 +306,7 @@
           <a:bodyPr/>
           <a:lstStyle/>
           <a:p>
-            <a:fld id="{8A5ADB03-EEF5-48DB-A9B0-DD3FD0768C40}" type="slidenum">
+            <a:fld id="{1CF22977-3005-479C-BA7C-EB1E09383F3B}" type="slidenum">
               <a:rPr lang="zh-CN" altLang="en-US" smtClean="0"/>
               <a:t>‹#›</a:t>
             </a:fld>
@@ -317,7 +317,7 @@
     </p:spTree>
     <p:extLst>
       <p:ext uri="{BB962C8B-B14F-4D97-AF65-F5344CB8AC3E}">
-        <p14:creationId xmlns:p14="http://schemas.microsoft.com/office/powerpoint/2010/main" val="4059333448"/>
+        <p14:creationId xmlns:p14="http://schemas.microsoft.com/office/powerpoint/2010/main" val="3319591619"/>
       </p:ext>
     </p:extLst>
   </p:cSld>
@@ -349,7 +349,7 @@
           <p:cNvPr id="2" name="标题 1">
             <a:extLst>
               <a:ext uri="{FF2B5EF4-FFF2-40B4-BE49-F238E27FC236}">
-                <a16:creationId xmlns:a16="http://schemas.microsoft.com/office/drawing/2014/main" id="{32823E14-2F03-8443-E1F6-ACAF50EC3CB1}"/>
+                <a16:creationId xmlns:a16="http://schemas.microsoft.com/office/drawing/2014/main" id="{9DFFDFC1-1D21-DC10-7721-342487AB878D}"/>
               </a:ext>
             </a:extLst>
           </p:cNvPr>
@@ -377,7 +377,7 @@
           <p:cNvPr id="3" name="竖排文字占位符 2">
             <a:extLst>
               <a:ext uri="{FF2B5EF4-FFF2-40B4-BE49-F238E27FC236}">
-                <a16:creationId xmlns:a16="http://schemas.microsoft.com/office/drawing/2014/main" id="{5B5A225C-EF91-363E-9370-AAC584A4B0A4}"/>
+                <a16:creationId xmlns:a16="http://schemas.microsoft.com/office/drawing/2014/main" id="{CA8DDBE3-F67F-0FF2-B3BB-59620755BBBC}"/>
               </a:ext>
             </a:extLst>
           </p:cNvPr>
@@ -434,7 +434,7 @@
           <p:cNvPr id="4" name="日期占位符 3">
             <a:extLst>
               <a:ext uri="{FF2B5EF4-FFF2-40B4-BE49-F238E27FC236}">
-                <a16:creationId xmlns:a16="http://schemas.microsoft.com/office/drawing/2014/main" id="{D2E5B7C4-4F49-56ED-8A86-94C781E3822E}"/>
+                <a16:creationId xmlns:a16="http://schemas.microsoft.com/office/drawing/2014/main" id="{5613B9C8-ABFF-08C5-29BF-CA2528E4DD02}"/>
               </a:ext>
             </a:extLst>
           </p:cNvPr>
@@ -450,7 +450,7 @@
           <a:bodyPr/>
           <a:lstStyle/>
           <a:p>
-            <a:fld id="{C273802F-57CA-4081-B905-5333778B383D}" type="datetimeFigureOut">
+            <a:fld id="{10C4C061-1FC4-4F11-8DB2-CB378A18CF6F}" type="datetimeFigureOut">
               <a:rPr lang="zh-CN" altLang="en-US" smtClean="0"/>
               <a:t>2024/3/10</a:t>
             </a:fld>
@@ -463,7 +463,7 @@
           <p:cNvPr id="5" name="页脚占位符 4">
             <a:extLst>
               <a:ext uri="{FF2B5EF4-FFF2-40B4-BE49-F238E27FC236}">
-                <a16:creationId xmlns:a16="http://schemas.microsoft.com/office/drawing/2014/main" id="{321CCC94-74C7-8E97-7FF0-433E2EB6DF57}"/>
+                <a16:creationId xmlns:a16="http://schemas.microsoft.com/office/drawing/2014/main" id="{08E78F44-6DD5-3D12-F534-24672EC7FA5B}"/>
               </a:ext>
             </a:extLst>
           </p:cNvPr>
@@ -488,7 +488,7 @@
           <p:cNvPr id="6" name="灯片编号占位符 5">
             <a:extLst>
               <a:ext uri="{FF2B5EF4-FFF2-40B4-BE49-F238E27FC236}">
-                <a16:creationId xmlns:a16="http://schemas.microsoft.com/office/drawing/2014/main" id="{FEDBEA55-50C2-F982-A43C-FEEA70D608A3}"/>
+                <a16:creationId xmlns:a16="http://schemas.microsoft.com/office/drawing/2014/main" id="{B3AB8503-CEBE-E28C-E6FF-21E03492E150}"/>
               </a:ext>
             </a:extLst>
           </p:cNvPr>
@@ -504,7 +504,7 @@
           <a:bodyPr/>
           <a:lstStyle/>
           <a:p>
-            <a:fld id="{8A5ADB03-EEF5-48DB-A9B0-DD3FD0768C40}" type="slidenum">
+            <a:fld id="{1CF22977-3005-479C-BA7C-EB1E09383F3B}" type="slidenum">
               <a:rPr lang="zh-CN" altLang="en-US" smtClean="0"/>
               <a:t>‹#›</a:t>
             </a:fld>
@@ -515,7 +515,7 @@
     </p:spTree>
     <p:extLst>
       <p:ext uri="{BB962C8B-B14F-4D97-AF65-F5344CB8AC3E}">
-        <p14:creationId xmlns:p14="http://schemas.microsoft.com/office/powerpoint/2010/main" val="55170632"/>
+        <p14:creationId xmlns:p14="http://schemas.microsoft.com/office/powerpoint/2010/main" val="2898073844"/>
       </p:ext>
     </p:extLst>
   </p:cSld>
@@ -547,7 +547,7 @@
           <p:cNvPr id="2" name="竖排标题 1">
             <a:extLst>
               <a:ext uri="{FF2B5EF4-FFF2-40B4-BE49-F238E27FC236}">
-                <a16:creationId xmlns:a16="http://schemas.microsoft.com/office/drawing/2014/main" id="{A287A54C-976F-2F55-53A0-91E526EF2F05}"/>
+                <a16:creationId xmlns:a16="http://schemas.microsoft.com/office/drawing/2014/main" id="{D99E7164-9E88-7E78-3D03-D8355F45A650}"/>
               </a:ext>
             </a:extLst>
           </p:cNvPr>
@@ -580,7 +580,7 @@
           <p:cNvPr id="3" name="竖排文字占位符 2">
             <a:extLst>
               <a:ext uri="{FF2B5EF4-FFF2-40B4-BE49-F238E27FC236}">
-                <a16:creationId xmlns:a16="http://schemas.microsoft.com/office/drawing/2014/main" id="{1FEA489A-C4A7-C2F9-0F7F-422EB537792A}"/>
+                <a16:creationId xmlns:a16="http://schemas.microsoft.com/office/drawing/2014/main" id="{401408D3-F624-C639-2305-8CE99DD19C50}"/>
               </a:ext>
             </a:extLst>
           </p:cNvPr>
@@ -642,7 +642,7 @@
           <p:cNvPr id="4" name="日期占位符 3">
             <a:extLst>
               <a:ext uri="{FF2B5EF4-FFF2-40B4-BE49-F238E27FC236}">
-                <a16:creationId xmlns:a16="http://schemas.microsoft.com/office/drawing/2014/main" id="{9D03C7F2-51F7-EDCF-C800-DAAE3E722A97}"/>
+                <a16:creationId xmlns:a16="http://schemas.microsoft.com/office/drawing/2014/main" id="{2FEE5303-4E70-F601-F443-76B3660CA594}"/>
               </a:ext>
             </a:extLst>
           </p:cNvPr>
@@ -658,7 +658,7 @@
           <a:bodyPr/>
           <a:lstStyle/>
           <a:p>
-            <a:fld id="{C273802F-57CA-4081-B905-5333778B383D}" type="datetimeFigureOut">
+            <a:fld id="{10C4C061-1FC4-4F11-8DB2-CB378A18CF6F}" type="datetimeFigureOut">
               <a:rPr lang="zh-CN" altLang="en-US" smtClean="0"/>
               <a:t>2024/3/10</a:t>
             </a:fld>
@@ -671,7 +671,7 @@
           <p:cNvPr id="5" name="页脚占位符 4">
             <a:extLst>
               <a:ext uri="{FF2B5EF4-FFF2-40B4-BE49-F238E27FC236}">
-                <a16:creationId xmlns:a16="http://schemas.microsoft.com/office/drawing/2014/main" id="{1EB6C14E-874E-4F5F-C4B2-B0D5E880694C}"/>
+                <a16:creationId xmlns:a16="http://schemas.microsoft.com/office/drawing/2014/main" id="{3C68AB41-5B59-5B8A-AEE2-250A546E30DE}"/>
               </a:ext>
             </a:extLst>
           </p:cNvPr>
@@ -696,7 +696,7 @@
           <p:cNvPr id="6" name="灯片编号占位符 5">
             <a:extLst>
               <a:ext uri="{FF2B5EF4-FFF2-40B4-BE49-F238E27FC236}">
-                <a16:creationId xmlns:a16="http://schemas.microsoft.com/office/drawing/2014/main" id="{66348828-ACFD-03C9-D0FB-85DBFCCD3A00}"/>
+                <a16:creationId xmlns:a16="http://schemas.microsoft.com/office/drawing/2014/main" id="{9CBE0AC9-3575-40D7-D15F-88B14B3CEEFF}"/>
               </a:ext>
             </a:extLst>
           </p:cNvPr>
@@ -712,7 +712,7 @@
           <a:bodyPr/>
           <a:lstStyle/>
           <a:p>
-            <a:fld id="{8A5ADB03-EEF5-48DB-A9B0-DD3FD0768C40}" type="slidenum">
+            <a:fld id="{1CF22977-3005-479C-BA7C-EB1E09383F3B}" type="slidenum">
               <a:rPr lang="zh-CN" altLang="en-US" smtClean="0"/>
               <a:t>‹#›</a:t>
             </a:fld>
@@ -723,7 +723,7 @@
     </p:spTree>
     <p:extLst>
       <p:ext uri="{BB962C8B-B14F-4D97-AF65-F5344CB8AC3E}">
-        <p14:creationId xmlns:p14="http://schemas.microsoft.com/office/powerpoint/2010/main" val="603954653"/>
+        <p14:creationId xmlns:p14="http://schemas.microsoft.com/office/powerpoint/2010/main" val="2965179469"/>
       </p:ext>
     </p:extLst>
   </p:cSld>
@@ -755,7 +755,7 @@
           <p:cNvPr id="2" name="标题 1">
             <a:extLst>
               <a:ext uri="{FF2B5EF4-FFF2-40B4-BE49-F238E27FC236}">
-                <a16:creationId xmlns:a16="http://schemas.microsoft.com/office/drawing/2014/main" id="{8E7BB84E-B9C1-3580-4D05-A41FF9AE4EFA}"/>
+                <a16:creationId xmlns:a16="http://schemas.microsoft.com/office/drawing/2014/main" id="{B5962259-BF11-F99D-5442-2646D407766D}"/>
               </a:ext>
             </a:extLst>
           </p:cNvPr>
@@ -783,7 +783,7 @@
           <p:cNvPr id="3" name="内容占位符 2">
             <a:extLst>
               <a:ext uri="{FF2B5EF4-FFF2-40B4-BE49-F238E27FC236}">
-                <a16:creationId xmlns:a16="http://schemas.microsoft.com/office/drawing/2014/main" id="{8F237C0F-ED2A-F623-35E4-0D71400905A9}"/>
+                <a16:creationId xmlns:a16="http://schemas.microsoft.com/office/drawing/2014/main" id="{6F6B960B-776D-D472-817C-26DD234C4121}"/>
               </a:ext>
             </a:extLst>
           </p:cNvPr>
@@ -840,7 +840,7 @@
           <p:cNvPr id="4" name="日期占位符 3">
             <a:extLst>
               <a:ext uri="{FF2B5EF4-FFF2-40B4-BE49-F238E27FC236}">
-                <a16:creationId xmlns:a16="http://schemas.microsoft.com/office/drawing/2014/main" id="{87D42835-1F9A-365D-C2A9-9F435FDBAFF8}"/>
+                <a16:creationId xmlns:a16="http://schemas.microsoft.com/office/drawing/2014/main" id="{62E40AFC-C912-9491-2EA6-5BF6F1AB0DD4}"/>
               </a:ext>
             </a:extLst>
           </p:cNvPr>
@@ -856,7 +856,7 @@
           <a:bodyPr/>
           <a:lstStyle/>
           <a:p>
-            <a:fld id="{C273802F-57CA-4081-B905-5333778B383D}" type="datetimeFigureOut">
+            <a:fld id="{10C4C061-1FC4-4F11-8DB2-CB378A18CF6F}" type="datetimeFigureOut">
               <a:rPr lang="zh-CN" altLang="en-US" smtClean="0"/>
               <a:t>2024/3/10</a:t>
             </a:fld>
@@ -869,7 +869,7 @@
           <p:cNvPr id="5" name="页脚占位符 4">
             <a:extLst>
               <a:ext uri="{FF2B5EF4-FFF2-40B4-BE49-F238E27FC236}">
-                <a16:creationId xmlns:a16="http://schemas.microsoft.com/office/drawing/2014/main" id="{118C6853-1DEE-A4A4-97FA-1FDE1E67CCA7}"/>
+                <a16:creationId xmlns:a16="http://schemas.microsoft.com/office/drawing/2014/main" id="{74E19AF2-DC79-B0AA-F667-DB8D8C33BD1E}"/>
               </a:ext>
             </a:extLst>
           </p:cNvPr>
@@ -894,7 +894,7 @@
           <p:cNvPr id="6" name="灯片编号占位符 5">
             <a:extLst>
               <a:ext uri="{FF2B5EF4-FFF2-40B4-BE49-F238E27FC236}">
-                <a16:creationId xmlns:a16="http://schemas.microsoft.com/office/drawing/2014/main" id="{91654102-4FE2-2C79-2FEB-FCC384B2799F}"/>
+                <a16:creationId xmlns:a16="http://schemas.microsoft.com/office/drawing/2014/main" id="{ED8F28B0-15CB-450A-6BF1-073745CC2A05}"/>
               </a:ext>
             </a:extLst>
           </p:cNvPr>
@@ -910,7 +910,7 @@
           <a:bodyPr/>
           <a:lstStyle/>
           <a:p>
-            <a:fld id="{8A5ADB03-EEF5-48DB-A9B0-DD3FD0768C40}" type="slidenum">
+            <a:fld id="{1CF22977-3005-479C-BA7C-EB1E09383F3B}" type="slidenum">
               <a:rPr lang="zh-CN" altLang="en-US" smtClean="0"/>
               <a:t>‹#›</a:t>
             </a:fld>
@@ -921,7 +921,7 @@
     </p:spTree>
     <p:extLst>
       <p:ext uri="{BB962C8B-B14F-4D97-AF65-F5344CB8AC3E}">
-        <p14:creationId xmlns:p14="http://schemas.microsoft.com/office/powerpoint/2010/main" val="4285967298"/>
+        <p14:creationId xmlns:p14="http://schemas.microsoft.com/office/powerpoint/2010/main" val="329678597"/>
       </p:ext>
     </p:extLst>
   </p:cSld>
@@ -953,7 +953,7 @@
           <p:cNvPr id="2" name="标题 1">
             <a:extLst>
               <a:ext uri="{FF2B5EF4-FFF2-40B4-BE49-F238E27FC236}">
-                <a16:creationId xmlns:a16="http://schemas.microsoft.com/office/drawing/2014/main" id="{529C57B5-E588-5F65-EBF9-4DA117ED66B4}"/>
+                <a16:creationId xmlns:a16="http://schemas.microsoft.com/office/drawing/2014/main" id="{28DBD016-F12E-2B23-D457-9DC8E0E62CB6}"/>
               </a:ext>
             </a:extLst>
           </p:cNvPr>
@@ -990,7 +990,7 @@
           <p:cNvPr id="3" name="文本占位符 2">
             <a:extLst>
               <a:ext uri="{FF2B5EF4-FFF2-40B4-BE49-F238E27FC236}">
-                <a16:creationId xmlns:a16="http://schemas.microsoft.com/office/drawing/2014/main" id="{3405BF6E-FE38-1FC3-2622-24518FA6925E}"/>
+                <a16:creationId xmlns:a16="http://schemas.microsoft.com/office/drawing/2014/main" id="{29B1B890-E051-B203-6ACF-FFDE719E712F}"/>
               </a:ext>
             </a:extLst>
           </p:cNvPr>
@@ -1115,7 +1115,7 @@
           <p:cNvPr id="4" name="日期占位符 3">
             <a:extLst>
               <a:ext uri="{FF2B5EF4-FFF2-40B4-BE49-F238E27FC236}">
-                <a16:creationId xmlns:a16="http://schemas.microsoft.com/office/drawing/2014/main" id="{B6A40019-596B-DD45-AE97-E52CCC131D98}"/>
+                <a16:creationId xmlns:a16="http://schemas.microsoft.com/office/drawing/2014/main" id="{3D132E0A-0929-599F-0752-A30512925AC8}"/>
               </a:ext>
             </a:extLst>
           </p:cNvPr>
@@ -1131,7 +1131,7 @@
           <a:bodyPr/>
           <a:lstStyle/>
           <a:p>
-            <a:fld id="{C273802F-57CA-4081-B905-5333778B383D}" type="datetimeFigureOut">
+            <a:fld id="{10C4C061-1FC4-4F11-8DB2-CB378A18CF6F}" type="datetimeFigureOut">
               <a:rPr lang="zh-CN" altLang="en-US" smtClean="0"/>
               <a:t>2024/3/10</a:t>
             </a:fld>
@@ -1144,7 +1144,7 @@
           <p:cNvPr id="5" name="页脚占位符 4">
             <a:extLst>
               <a:ext uri="{FF2B5EF4-FFF2-40B4-BE49-F238E27FC236}">
-                <a16:creationId xmlns:a16="http://schemas.microsoft.com/office/drawing/2014/main" id="{3E449813-EE73-3717-C982-07F785D1889B}"/>
+                <a16:creationId xmlns:a16="http://schemas.microsoft.com/office/drawing/2014/main" id="{DFC9EA95-4171-ACB1-329A-20A8C1A471F9}"/>
               </a:ext>
             </a:extLst>
           </p:cNvPr>
@@ -1169,7 +1169,7 @@
           <p:cNvPr id="6" name="灯片编号占位符 5">
             <a:extLst>
               <a:ext uri="{FF2B5EF4-FFF2-40B4-BE49-F238E27FC236}">
-                <a16:creationId xmlns:a16="http://schemas.microsoft.com/office/drawing/2014/main" id="{DF6C23FA-4215-BA32-06F5-DDCA59DDB192}"/>
+                <a16:creationId xmlns:a16="http://schemas.microsoft.com/office/drawing/2014/main" id="{1DA4996F-95AC-572D-A319-287FB940F368}"/>
               </a:ext>
             </a:extLst>
           </p:cNvPr>
@@ -1185,7 +1185,7 @@
           <a:bodyPr/>
           <a:lstStyle/>
           <a:p>
-            <a:fld id="{8A5ADB03-EEF5-48DB-A9B0-DD3FD0768C40}" type="slidenum">
+            <a:fld id="{1CF22977-3005-479C-BA7C-EB1E09383F3B}" type="slidenum">
               <a:rPr lang="zh-CN" altLang="en-US" smtClean="0"/>
               <a:t>‹#›</a:t>
             </a:fld>
@@ -1196,7 +1196,7 @@
     </p:spTree>
     <p:extLst>
       <p:ext uri="{BB962C8B-B14F-4D97-AF65-F5344CB8AC3E}">
-        <p14:creationId xmlns:p14="http://schemas.microsoft.com/office/powerpoint/2010/main" val="3335523734"/>
+        <p14:creationId xmlns:p14="http://schemas.microsoft.com/office/powerpoint/2010/main" val="2254714528"/>
       </p:ext>
     </p:extLst>
   </p:cSld>
@@ -1228,7 +1228,7 @@
           <p:cNvPr id="2" name="标题 1">
             <a:extLst>
               <a:ext uri="{FF2B5EF4-FFF2-40B4-BE49-F238E27FC236}">
-                <a16:creationId xmlns:a16="http://schemas.microsoft.com/office/drawing/2014/main" id="{20B0F71A-259C-0E06-236A-A58A01382E4A}"/>
+                <a16:creationId xmlns:a16="http://schemas.microsoft.com/office/drawing/2014/main" id="{51D78202-358F-E182-93B7-03F2D14B3669}"/>
               </a:ext>
             </a:extLst>
           </p:cNvPr>
@@ -1256,7 +1256,7 @@
           <p:cNvPr id="3" name="内容占位符 2">
             <a:extLst>
               <a:ext uri="{FF2B5EF4-FFF2-40B4-BE49-F238E27FC236}">
-                <a16:creationId xmlns:a16="http://schemas.microsoft.com/office/drawing/2014/main" id="{B1AF5DF9-BBF5-1E50-2AB0-707D336F440F}"/>
+                <a16:creationId xmlns:a16="http://schemas.microsoft.com/office/drawing/2014/main" id="{8A204D96-68F5-CFD8-EFDA-88C73881098E}"/>
               </a:ext>
             </a:extLst>
           </p:cNvPr>
@@ -1318,7 +1318,7 @@
           <p:cNvPr id="4" name="内容占位符 3">
             <a:extLst>
               <a:ext uri="{FF2B5EF4-FFF2-40B4-BE49-F238E27FC236}">
-                <a16:creationId xmlns:a16="http://schemas.microsoft.com/office/drawing/2014/main" id="{9CC7C3F5-E083-7CB4-DF68-968E85E8B407}"/>
+                <a16:creationId xmlns:a16="http://schemas.microsoft.com/office/drawing/2014/main" id="{04C0ED71-BDDF-F3EF-EF93-84315D1F1B97}"/>
               </a:ext>
             </a:extLst>
           </p:cNvPr>
@@ -1380,7 +1380,7 @@
           <p:cNvPr id="5" name="日期占位符 4">
             <a:extLst>
               <a:ext uri="{FF2B5EF4-FFF2-40B4-BE49-F238E27FC236}">
-                <a16:creationId xmlns:a16="http://schemas.microsoft.com/office/drawing/2014/main" id="{186853AD-3F56-2CF1-20A4-F7B361F0B2C7}"/>
+                <a16:creationId xmlns:a16="http://schemas.microsoft.com/office/drawing/2014/main" id="{5BC12CBD-5F76-4382-46C2-105116081F14}"/>
               </a:ext>
             </a:extLst>
           </p:cNvPr>
@@ -1396,7 +1396,7 @@
           <a:bodyPr/>
           <a:lstStyle/>
           <a:p>
-            <a:fld id="{C273802F-57CA-4081-B905-5333778B383D}" type="datetimeFigureOut">
+            <a:fld id="{10C4C061-1FC4-4F11-8DB2-CB378A18CF6F}" type="datetimeFigureOut">
               <a:rPr lang="zh-CN" altLang="en-US" smtClean="0"/>
               <a:t>2024/3/10</a:t>
             </a:fld>
@@ -1409,7 +1409,7 @@
           <p:cNvPr id="6" name="页脚占位符 5">
             <a:extLst>
               <a:ext uri="{FF2B5EF4-FFF2-40B4-BE49-F238E27FC236}">
-                <a16:creationId xmlns:a16="http://schemas.microsoft.com/office/drawing/2014/main" id="{C26A9997-454C-9B6F-5343-912C7EE438F7}"/>
+                <a16:creationId xmlns:a16="http://schemas.microsoft.com/office/drawing/2014/main" id="{F3E379AA-839F-4D2E-44A6-DD22E872BB6F}"/>
               </a:ext>
             </a:extLst>
           </p:cNvPr>
@@ -1434,7 +1434,7 @@
           <p:cNvPr id="7" name="灯片编号占位符 6">
             <a:extLst>
               <a:ext uri="{FF2B5EF4-FFF2-40B4-BE49-F238E27FC236}">
-                <a16:creationId xmlns:a16="http://schemas.microsoft.com/office/drawing/2014/main" id="{27CFCA94-DE4B-34F6-4AF2-5F4844A1765F}"/>
+                <a16:creationId xmlns:a16="http://schemas.microsoft.com/office/drawing/2014/main" id="{1170AACA-57BD-416C-CA58-FB72EB01188B}"/>
               </a:ext>
             </a:extLst>
           </p:cNvPr>
@@ -1450,7 +1450,7 @@
           <a:bodyPr/>
           <a:lstStyle/>
           <a:p>
-            <a:fld id="{8A5ADB03-EEF5-48DB-A9B0-DD3FD0768C40}" type="slidenum">
+            <a:fld id="{1CF22977-3005-479C-BA7C-EB1E09383F3B}" type="slidenum">
               <a:rPr lang="zh-CN" altLang="en-US" smtClean="0"/>
               <a:t>‹#›</a:t>
             </a:fld>
@@ -1461,7 +1461,7 @@
     </p:spTree>
     <p:extLst>
       <p:ext uri="{BB962C8B-B14F-4D97-AF65-F5344CB8AC3E}">
-        <p14:creationId xmlns:p14="http://schemas.microsoft.com/office/powerpoint/2010/main" val="3650398439"/>
+        <p14:creationId xmlns:p14="http://schemas.microsoft.com/office/powerpoint/2010/main" val="2445873378"/>
       </p:ext>
     </p:extLst>
   </p:cSld>
@@ -1493,7 +1493,7 @@
           <p:cNvPr id="2" name="标题 1">
             <a:extLst>
               <a:ext uri="{FF2B5EF4-FFF2-40B4-BE49-F238E27FC236}">
-                <a16:creationId xmlns:a16="http://schemas.microsoft.com/office/drawing/2014/main" id="{0DD576BE-E054-B797-C9AE-864D0C63F0B5}"/>
+                <a16:creationId xmlns:a16="http://schemas.microsoft.com/office/drawing/2014/main" id="{44345641-EA4A-C492-2A67-E0528FCD3341}"/>
               </a:ext>
             </a:extLst>
           </p:cNvPr>
@@ -1526,7 +1526,7 @@
           <p:cNvPr id="3" name="文本占位符 2">
             <a:extLst>
               <a:ext uri="{FF2B5EF4-FFF2-40B4-BE49-F238E27FC236}">
-                <a16:creationId xmlns:a16="http://schemas.microsoft.com/office/drawing/2014/main" id="{7A85DC94-8445-1B89-0995-FE8D13D72954}"/>
+                <a16:creationId xmlns:a16="http://schemas.microsoft.com/office/drawing/2014/main" id="{0D2B8DEC-6DA5-04CC-9ABC-AEB51A5FB586}"/>
               </a:ext>
             </a:extLst>
           </p:cNvPr>
@@ -1597,7 +1597,7 @@
           <p:cNvPr id="4" name="内容占位符 3">
             <a:extLst>
               <a:ext uri="{FF2B5EF4-FFF2-40B4-BE49-F238E27FC236}">
-                <a16:creationId xmlns:a16="http://schemas.microsoft.com/office/drawing/2014/main" id="{B296FB5D-A27E-3075-98EA-4E990A0103A0}"/>
+                <a16:creationId xmlns:a16="http://schemas.microsoft.com/office/drawing/2014/main" id="{1DCFDCAD-EBCD-D27D-31BA-44B972D94CCB}"/>
               </a:ext>
             </a:extLst>
           </p:cNvPr>
@@ -1659,7 +1659,7 @@
           <p:cNvPr id="5" name="文本占位符 4">
             <a:extLst>
               <a:ext uri="{FF2B5EF4-FFF2-40B4-BE49-F238E27FC236}">
-                <a16:creationId xmlns:a16="http://schemas.microsoft.com/office/drawing/2014/main" id="{B522C006-4AA5-61CA-4ED7-05121F302225}"/>
+                <a16:creationId xmlns:a16="http://schemas.microsoft.com/office/drawing/2014/main" id="{5752E91C-A078-64A9-F121-CCFF3FCBEC55}"/>
               </a:ext>
             </a:extLst>
           </p:cNvPr>
@@ -1730,7 +1730,7 @@
           <p:cNvPr id="6" name="内容占位符 5">
             <a:extLst>
               <a:ext uri="{FF2B5EF4-FFF2-40B4-BE49-F238E27FC236}">
-                <a16:creationId xmlns:a16="http://schemas.microsoft.com/office/drawing/2014/main" id="{4CCFC475-7BF0-8C74-ED2B-7A7CC3749D0D}"/>
+                <a16:creationId xmlns:a16="http://schemas.microsoft.com/office/drawing/2014/main" id="{D7247053-0719-BF02-2C62-0AA21DC57573}"/>
               </a:ext>
             </a:extLst>
           </p:cNvPr>
@@ -1792,7 +1792,7 @@
           <p:cNvPr id="7" name="日期占位符 6">
             <a:extLst>
               <a:ext uri="{FF2B5EF4-FFF2-40B4-BE49-F238E27FC236}">
-                <a16:creationId xmlns:a16="http://schemas.microsoft.com/office/drawing/2014/main" id="{6D5253E5-DEDA-8F85-EE40-83DD94DD9901}"/>
+                <a16:creationId xmlns:a16="http://schemas.microsoft.com/office/drawing/2014/main" id="{8D6AFE05-BC66-687B-FE56-812E73544D35}"/>
               </a:ext>
             </a:extLst>
           </p:cNvPr>
@@ -1808,7 +1808,7 @@
           <a:bodyPr/>
           <a:lstStyle/>
           <a:p>
-            <a:fld id="{C273802F-57CA-4081-B905-5333778B383D}" type="datetimeFigureOut">
+            <a:fld id="{10C4C061-1FC4-4F11-8DB2-CB378A18CF6F}" type="datetimeFigureOut">
               <a:rPr lang="zh-CN" altLang="en-US" smtClean="0"/>
               <a:t>2024/3/10</a:t>
             </a:fld>
@@ -1821,7 +1821,7 @@
           <p:cNvPr id="8" name="页脚占位符 7">
             <a:extLst>
               <a:ext uri="{FF2B5EF4-FFF2-40B4-BE49-F238E27FC236}">
-                <a16:creationId xmlns:a16="http://schemas.microsoft.com/office/drawing/2014/main" id="{12B99B33-F736-906F-3FAC-43A9586E0A4D}"/>
+                <a16:creationId xmlns:a16="http://schemas.microsoft.com/office/drawing/2014/main" id="{288AD064-0320-FF11-5744-BD7C345164FB}"/>
               </a:ext>
             </a:extLst>
           </p:cNvPr>
@@ -1846,7 +1846,7 @@
           <p:cNvPr id="9" name="灯片编号占位符 8">
             <a:extLst>
               <a:ext uri="{FF2B5EF4-FFF2-40B4-BE49-F238E27FC236}">
-                <a16:creationId xmlns:a16="http://schemas.microsoft.com/office/drawing/2014/main" id="{B3950456-F6D5-1A94-5B1A-1FAE0E4E982E}"/>
+                <a16:creationId xmlns:a16="http://schemas.microsoft.com/office/drawing/2014/main" id="{04F440F4-C8F6-D370-EA3D-E23E6EE66D3C}"/>
               </a:ext>
             </a:extLst>
           </p:cNvPr>
@@ -1862,7 +1862,7 @@
           <a:bodyPr/>
           <a:lstStyle/>
           <a:p>
-            <a:fld id="{8A5ADB03-EEF5-48DB-A9B0-DD3FD0768C40}" type="slidenum">
+            <a:fld id="{1CF22977-3005-479C-BA7C-EB1E09383F3B}" type="slidenum">
               <a:rPr lang="zh-CN" altLang="en-US" smtClean="0"/>
               <a:t>‹#›</a:t>
             </a:fld>
@@ -1873,7 +1873,7 @@
     </p:spTree>
     <p:extLst>
       <p:ext uri="{BB962C8B-B14F-4D97-AF65-F5344CB8AC3E}">
-        <p14:creationId xmlns:p14="http://schemas.microsoft.com/office/powerpoint/2010/main" val="1526822097"/>
+        <p14:creationId xmlns:p14="http://schemas.microsoft.com/office/powerpoint/2010/main" val="3322288451"/>
       </p:ext>
     </p:extLst>
   </p:cSld>
@@ -1905,7 +1905,7 @@
           <p:cNvPr id="2" name="标题 1">
             <a:extLst>
               <a:ext uri="{FF2B5EF4-FFF2-40B4-BE49-F238E27FC236}">
-                <a16:creationId xmlns:a16="http://schemas.microsoft.com/office/drawing/2014/main" id="{4892EBC5-E4A0-800C-D4D3-825214A03521}"/>
+                <a16:creationId xmlns:a16="http://schemas.microsoft.com/office/drawing/2014/main" id="{51533CEE-BD96-C227-AC4A-EA13FF670925}"/>
               </a:ext>
             </a:extLst>
           </p:cNvPr>
@@ -1933,7 +1933,7 @@
           <p:cNvPr id="3" name="日期占位符 2">
             <a:extLst>
               <a:ext uri="{FF2B5EF4-FFF2-40B4-BE49-F238E27FC236}">
-                <a16:creationId xmlns:a16="http://schemas.microsoft.com/office/drawing/2014/main" id="{606A9044-078E-5355-A232-D4A8D937F344}"/>
+                <a16:creationId xmlns:a16="http://schemas.microsoft.com/office/drawing/2014/main" id="{CC23015B-2B5F-3A21-4D00-4F81B18B2A46}"/>
               </a:ext>
             </a:extLst>
           </p:cNvPr>
@@ -1949,7 +1949,7 @@
           <a:bodyPr/>
           <a:lstStyle/>
           <a:p>
-            <a:fld id="{C273802F-57CA-4081-B905-5333778B383D}" type="datetimeFigureOut">
+            <a:fld id="{10C4C061-1FC4-4F11-8DB2-CB378A18CF6F}" type="datetimeFigureOut">
               <a:rPr lang="zh-CN" altLang="en-US" smtClean="0"/>
               <a:t>2024/3/10</a:t>
             </a:fld>
@@ -1962,7 +1962,7 @@
           <p:cNvPr id="4" name="页脚占位符 3">
             <a:extLst>
               <a:ext uri="{FF2B5EF4-FFF2-40B4-BE49-F238E27FC236}">
-                <a16:creationId xmlns:a16="http://schemas.microsoft.com/office/drawing/2014/main" id="{21B90133-0801-C35F-302B-B3924D91E6FC}"/>
+                <a16:creationId xmlns:a16="http://schemas.microsoft.com/office/drawing/2014/main" id="{480C50AB-1AAA-850E-3D91-3170FDE8957D}"/>
               </a:ext>
             </a:extLst>
           </p:cNvPr>
@@ -1987,7 +1987,7 @@
           <p:cNvPr id="5" name="灯片编号占位符 4">
             <a:extLst>
               <a:ext uri="{FF2B5EF4-FFF2-40B4-BE49-F238E27FC236}">
-                <a16:creationId xmlns:a16="http://schemas.microsoft.com/office/drawing/2014/main" id="{5A7727AE-9430-314F-E405-7FD06D8438C2}"/>
+                <a16:creationId xmlns:a16="http://schemas.microsoft.com/office/drawing/2014/main" id="{F9688D25-E8C3-ECDC-595E-A9B473F74FEC}"/>
               </a:ext>
             </a:extLst>
           </p:cNvPr>
@@ -2003,7 +2003,7 @@
           <a:bodyPr/>
           <a:lstStyle/>
           <a:p>
-            <a:fld id="{8A5ADB03-EEF5-48DB-A9B0-DD3FD0768C40}" type="slidenum">
+            <a:fld id="{1CF22977-3005-479C-BA7C-EB1E09383F3B}" type="slidenum">
               <a:rPr lang="zh-CN" altLang="en-US" smtClean="0"/>
               <a:t>‹#›</a:t>
             </a:fld>
@@ -2014,7 +2014,7 @@
     </p:spTree>
     <p:extLst>
       <p:ext uri="{BB962C8B-B14F-4D97-AF65-F5344CB8AC3E}">
-        <p14:creationId xmlns:p14="http://schemas.microsoft.com/office/powerpoint/2010/main" val="1160636159"/>
+        <p14:creationId xmlns:p14="http://schemas.microsoft.com/office/powerpoint/2010/main" val="3312408198"/>
       </p:ext>
     </p:extLst>
   </p:cSld>
@@ -2046,7 +2046,7 @@
           <p:cNvPr id="2" name="日期占位符 1">
             <a:extLst>
               <a:ext uri="{FF2B5EF4-FFF2-40B4-BE49-F238E27FC236}">
-                <a16:creationId xmlns:a16="http://schemas.microsoft.com/office/drawing/2014/main" id="{0975E810-9C09-8084-7A80-AA78FFA62DB6}"/>
+                <a16:creationId xmlns:a16="http://schemas.microsoft.com/office/drawing/2014/main" id="{C456A81C-3026-D8B9-9078-108E62FAF76C}"/>
               </a:ext>
             </a:extLst>
           </p:cNvPr>
@@ -2062,7 +2062,7 @@
           <a:bodyPr/>
           <a:lstStyle/>
           <a:p>
-            <a:fld id="{C273802F-57CA-4081-B905-5333778B383D}" type="datetimeFigureOut">
+            <a:fld id="{10C4C061-1FC4-4F11-8DB2-CB378A18CF6F}" type="datetimeFigureOut">
               <a:rPr lang="zh-CN" altLang="en-US" smtClean="0"/>
               <a:t>2024/3/10</a:t>
             </a:fld>
@@ -2075,7 +2075,7 @@
           <p:cNvPr id="3" name="页脚占位符 2">
             <a:extLst>
               <a:ext uri="{FF2B5EF4-FFF2-40B4-BE49-F238E27FC236}">
-                <a16:creationId xmlns:a16="http://schemas.microsoft.com/office/drawing/2014/main" id="{FB787EAB-7163-2780-019A-8FF28007959A}"/>
+                <a16:creationId xmlns:a16="http://schemas.microsoft.com/office/drawing/2014/main" id="{76013E5D-8122-1CBA-E29D-CF73E4581CB0}"/>
               </a:ext>
             </a:extLst>
           </p:cNvPr>
@@ -2100,7 +2100,7 @@
           <p:cNvPr id="4" name="灯片编号占位符 3">
             <a:extLst>
               <a:ext uri="{FF2B5EF4-FFF2-40B4-BE49-F238E27FC236}">
-                <a16:creationId xmlns:a16="http://schemas.microsoft.com/office/drawing/2014/main" id="{F5A03184-2304-B631-722F-C92471FA6561}"/>
+                <a16:creationId xmlns:a16="http://schemas.microsoft.com/office/drawing/2014/main" id="{D1821CA5-C15E-4C12-8A07-7C499A164A09}"/>
               </a:ext>
             </a:extLst>
           </p:cNvPr>
@@ -2116,7 +2116,7 @@
           <a:bodyPr/>
           <a:lstStyle/>
           <a:p>
-            <a:fld id="{8A5ADB03-EEF5-48DB-A9B0-DD3FD0768C40}" type="slidenum">
+            <a:fld id="{1CF22977-3005-479C-BA7C-EB1E09383F3B}" type="slidenum">
               <a:rPr lang="zh-CN" altLang="en-US" smtClean="0"/>
               <a:t>‹#›</a:t>
             </a:fld>
@@ -2127,7 +2127,7 @@
     </p:spTree>
     <p:extLst>
       <p:ext uri="{BB962C8B-B14F-4D97-AF65-F5344CB8AC3E}">
-        <p14:creationId xmlns:p14="http://schemas.microsoft.com/office/powerpoint/2010/main" val="2305482037"/>
+        <p14:creationId xmlns:p14="http://schemas.microsoft.com/office/powerpoint/2010/main" val="2883509463"/>
       </p:ext>
     </p:extLst>
   </p:cSld>
@@ -2159,7 +2159,7 @@
           <p:cNvPr id="2" name="标题 1">
             <a:extLst>
               <a:ext uri="{FF2B5EF4-FFF2-40B4-BE49-F238E27FC236}">
-                <a16:creationId xmlns:a16="http://schemas.microsoft.com/office/drawing/2014/main" id="{6720689C-BA6F-1482-547C-771869268137}"/>
+                <a16:creationId xmlns:a16="http://schemas.microsoft.com/office/drawing/2014/main" id="{19AE71A9-EF27-EBDE-8067-155092DDB57A}"/>
               </a:ext>
             </a:extLst>
           </p:cNvPr>
@@ -2196,7 +2196,7 @@
           <p:cNvPr id="3" name="内容占位符 2">
             <a:extLst>
               <a:ext uri="{FF2B5EF4-FFF2-40B4-BE49-F238E27FC236}">
-                <a16:creationId xmlns:a16="http://schemas.microsoft.com/office/drawing/2014/main" id="{C12A4C27-B26D-65F4-3111-5345B79F1CE7}"/>
+                <a16:creationId xmlns:a16="http://schemas.microsoft.com/office/drawing/2014/main" id="{DB3ABE75-8C97-7F3B-D8E0-5636315047B9}"/>
               </a:ext>
             </a:extLst>
           </p:cNvPr>
@@ -2286,7 +2286,7 @@
           <p:cNvPr id="4" name="文本占位符 3">
             <a:extLst>
               <a:ext uri="{FF2B5EF4-FFF2-40B4-BE49-F238E27FC236}">
-                <a16:creationId xmlns:a16="http://schemas.microsoft.com/office/drawing/2014/main" id="{6C33A320-B76D-6358-DFF8-14B2DFCAEB9D}"/>
+                <a16:creationId xmlns:a16="http://schemas.microsoft.com/office/drawing/2014/main" id="{9707C394-832A-0561-42DB-0F6D64226404}"/>
               </a:ext>
             </a:extLst>
           </p:cNvPr>
@@ -2357,7 +2357,7 @@
           <p:cNvPr id="5" name="日期占位符 4">
             <a:extLst>
               <a:ext uri="{FF2B5EF4-FFF2-40B4-BE49-F238E27FC236}">
-                <a16:creationId xmlns:a16="http://schemas.microsoft.com/office/drawing/2014/main" id="{06D043B5-B46E-977F-FF35-EE3D1CA50F87}"/>
+                <a16:creationId xmlns:a16="http://schemas.microsoft.com/office/drawing/2014/main" id="{6056043F-E401-BE76-623E-CB0932C0505D}"/>
               </a:ext>
             </a:extLst>
           </p:cNvPr>
@@ -2373,7 +2373,7 @@
           <a:bodyPr/>
           <a:lstStyle/>
           <a:p>
-            <a:fld id="{C273802F-57CA-4081-B905-5333778B383D}" type="datetimeFigureOut">
+            <a:fld id="{10C4C061-1FC4-4F11-8DB2-CB378A18CF6F}" type="datetimeFigureOut">
               <a:rPr lang="zh-CN" altLang="en-US" smtClean="0"/>
               <a:t>2024/3/10</a:t>
             </a:fld>
@@ -2386,7 +2386,7 @@
           <p:cNvPr id="6" name="页脚占位符 5">
             <a:extLst>
               <a:ext uri="{FF2B5EF4-FFF2-40B4-BE49-F238E27FC236}">
-                <a16:creationId xmlns:a16="http://schemas.microsoft.com/office/drawing/2014/main" id="{F7188186-6A95-5615-32D1-BEA45A2D6167}"/>
+                <a16:creationId xmlns:a16="http://schemas.microsoft.com/office/drawing/2014/main" id="{C9719FB0-0270-08EC-B549-FF26B9BBB53B}"/>
               </a:ext>
             </a:extLst>
           </p:cNvPr>
@@ -2411,7 +2411,7 @@
           <p:cNvPr id="7" name="灯片编号占位符 6">
             <a:extLst>
               <a:ext uri="{FF2B5EF4-FFF2-40B4-BE49-F238E27FC236}">
-                <a16:creationId xmlns:a16="http://schemas.microsoft.com/office/drawing/2014/main" id="{C55DF0E4-F9C9-A560-611A-035F3CD31344}"/>
+                <a16:creationId xmlns:a16="http://schemas.microsoft.com/office/drawing/2014/main" id="{9665DE38-EEF9-B999-4E33-D5D6041EA408}"/>
               </a:ext>
             </a:extLst>
           </p:cNvPr>
@@ -2427,7 +2427,7 @@
           <a:bodyPr/>
           <a:lstStyle/>
           <a:p>
-            <a:fld id="{8A5ADB03-EEF5-48DB-A9B0-DD3FD0768C40}" type="slidenum">
+            <a:fld id="{1CF22977-3005-479C-BA7C-EB1E09383F3B}" type="slidenum">
               <a:rPr lang="zh-CN" altLang="en-US" smtClean="0"/>
               <a:t>‹#›</a:t>
             </a:fld>
@@ -2438,7 +2438,7 @@
     </p:spTree>
     <p:extLst>
       <p:ext uri="{BB962C8B-B14F-4D97-AF65-F5344CB8AC3E}">
-        <p14:creationId xmlns:p14="http://schemas.microsoft.com/office/powerpoint/2010/main" val="1580257718"/>
+        <p14:creationId xmlns:p14="http://schemas.microsoft.com/office/powerpoint/2010/main" val="2436858922"/>
       </p:ext>
     </p:extLst>
   </p:cSld>
@@ -2470,7 +2470,7 @@
           <p:cNvPr id="2" name="标题 1">
             <a:extLst>
               <a:ext uri="{FF2B5EF4-FFF2-40B4-BE49-F238E27FC236}">
-                <a16:creationId xmlns:a16="http://schemas.microsoft.com/office/drawing/2014/main" id="{90961604-39A1-A5FE-4AD8-68C54C88C77D}"/>
+                <a16:creationId xmlns:a16="http://schemas.microsoft.com/office/drawing/2014/main" id="{42F30E6A-E947-5519-3B05-6DAF273CC446}"/>
               </a:ext>
             </a:extLst>
           </p:cNvPr>
@@ -2507,7 +2507,7 @@
           <p:cNvPr id="3" name="图片占位符 2">
             <a:extLst>
               <a:ext uri="{FF2B5EF4-FFF2-40B4-BE49-F238E27FC236}">
-                <a16:creationId xmlns:a16="http://schemas.microsoft.com/office/drawing/2014/main" id="{D89F747E-3C7B-D0F9-EA88-3A1293513D9A}"/>
+                <a16:creationId xmlns:a16="http://schemas.microsoft.com/office/drawing/2014/main" id="{D3D41301-2EEF-189B-FC81-ADB811D37027}"/>
               </a:ext>
             </a:extLst>
           </p:cNvPr>
@@ -2574,7 +2574,7 @@
           <p:cNvPr id="4" name="文本占位符 3">
             <a:extLst>
               <a:ext uri="{FF2B5EF4-FFF2-40B4-BE49-F238E27FC236}">
-                <a16:creationId xmlns:a16="http://schemas.microsoft.com/office/drawing/2014/main" id="{97D537B1-2F81-EB31-494B-B1FCD82F730D}"/>
+                <a16:creationId xmlns:a16="http://schemas.microsoft.com/office/drawing/2014/main" id="{919D47B2-A9B9-0FAB-E0D4-844C53017BFB}"/>
               </a:ext>
             </a:extLst>
           </p:cNvPr>
@@ -2645,7 +2645,7 @@
           <p:cNvPr id="5" name="日期占位符 4">
             <a:extLst>
               <a:ext uri="{FF2B5EF4-FFF2-40B4-BE49-F238E27FC236}">
-                <a16:creationId xmlns:a16="http://schemas.microsoft.com/office/drawing/2014/main" id="{CD9141E9-1C34-9C45-85F4-1C69ADDA5463}"/>
+                <a16:creationId xmlns:a16="http://schemas.microsoft.com/office/drawing/2014/main" id="{828BFCE8-0747-DD27-C19D-8E05EB1065F0}"/>
               </a:ext>
             </a:extLst>
           </p:cNvPr>
@@ -2661,7 +2661,7 @@
           <a:bodyPr/>
           <a:lstStyle/>
           <a:p>
-            <a:fld id="{C273802F-57CA-4081-B905-5333778B383D}" type="datetimeFigureOut">
+            <a:fld id="{10C4C061-1FC4-4F11-8DB2-CB378A18CF6F}" type="datetimeFigureOut">
               <a:rPr lang="zh-CN" altLang="en-US" smtClean="0"/>
               <a:t>2024/3/10</a:t>
             </a:fld>
@@ -2674,7 +2674,7 @@
           <p:cNvPr id="6" name="页脚占位符 5">
             <a:extLst>
               <a:ext uri="{FF2B5EF4-FFF2-40B4-BE49-F238E27FC236}">
-                <a16:creationId xmlns:a16="http://schemas.microsoft.com/office/drawing/2014/main" id="{FA9E100B-6E80-B2F2-DC72-4B10DAF0D30E}"/>
+                <a16:creationId xmlns:a16="http://schemas.microsoft.com/office/drawing/2014/main" id="{0FC64399-9825-2622-82B4-224CDFAE1A3F}"/>
               </a:ext>
             </a:extLst>
           </p:cNvPr>
@@ -2699,7 +2699,7 @@
           <p:cNvPr id="7" name="灯片编号占位符 6">
             <a:extLst>
               <a:ext uri="{FF2B5EF4-FFF2-40B4-BE49-F238E27FC236}">
-                <a16:creationId xmlns:a16="http://schemas.microsoft.com/office/drawing/2014/main" id="{4F7E7E26-459D-C524-BC94-08D2D24A1CC5}"/>
+                <a16:creationId xmlns:a16="http://schemas.microsoft.com/office/drawing/2014/main" id="{51B7FB6D-6264-FD2A-638B-A55B93C0DB41}"/>
               </a:ext>
             </a:extLst>
           </p:cNvPr>
@@ -2715,7 +2715,7 @@
           <a:bodyPr/>
           <a:lstStyle/>
           <a:p>
-            <a:fld id="{8A5ADB03-EEF5-48DB-A9B0-DD3FD0768C40}" type="slidenum">
+            <a:fld id="{1CF22977-3005-479C-BA7C-EB1E09383F3B}" type="slidenum">
               <a:rPr lang="zh-CN" altLang="en-US" smtClean="0"/>
               <a:t>‹#›</a:t>
             </a:fld>
@@ -2726,7 +2726,7 @@
     </p:spTree>
     <p:extLst>
       <p:ext uri="{BB962C8B-B14F-4D97-AF65-F5344CB8AC3E}">
-        <p14:creationId xmlns:p14="http://schemas.microsoft.com/office/powerpoint/2010/main" val="2937192362"/>
+        <p14:creationId xmlns:p14="http://schemas.microsoft.com/office/powerpoint/2010/main" val="3131288610"/>
       </p:ext>
     </p:extLst>
   </p:cSld>
@@ -2763,7 +2763,7 @@
           <p:cNvPr id="2" name="标题占位符 1">
             <a:extLst>
               <a:ext uri="{FF2B5EF4-FFF2-40B4-BE49-F238E27FC236}">
-                <a16:creationId xmlns:a16="http://schemas.microsoft.com/office/drawing/2014/main" id="{9C404AA5-0B86-D516-DCC5-992AC0B3DFFA}"/>
+                <a16:creationId xmlns:a16="http://schemas.microsoft.com/office/drawing/2014/main" id="{08D9622F-FE77-278F-9BF5-3D0D7B5DF5AE}"/>
               </a:ext>
             </a:extLst>
           </p:cNvPr>
@@ -2801,7 +2801,7 @@
           <p:cNvPr id="3" name="文本占位符 2">
             <a:extLst>
               <a:ext uri="{FF2B5EF4-FFF2-40B4-BE49-F238E27FC236}">
-                <a16:creationId xmlns:a16="http://schemas.microsoft.com/office/drawing/2014/main" id="{1847CF35-6A92-5AB7-ADDC-755B090E4E52}"/>
+                <a16:creationId xmlns:a16="http://schemas.microsoft.com/office/drawing/2014/main" id="{EA794460-694C-8865-BFBC-056C4EF46AA3}"/>
               </a:ext>
             </a:extLst>
           </p:cNvPr>
@@ -2868,7 +2868,7 @@
           <p:cNvPr id="4" name="日期占位符 3">
             <a:extLst>
               <a:ext uri="{FF2B5EF4-FFF2-40B4-BE49-F238E27FC236}">
-                <a16:creationId xmlns:a16="http://schemas.microsoft.com/office/drawing/2014/main" id="{2BC13797-0EE9-DD75-9E25-0C653017CCF3}"/>
+                <a16:creationId xmlns:a16="http://schemas.microsoft.com/office/drawing/2014/main" id="{F1356914-40B1-5F55-825B-8DFB821733E0}"/>
               </a:ext>
             </a:extLst>
           </p:cNvPr>
@@ -2902,7 +2902,7 @@
             </a:lvl1pPr>
           </a:lstStyle>
           <a:p>
-            <a:fld id="{C273802F-57CA-4081-B905-5333778B383D}" type="datetimeFigureOut">
+            <a:fld id="{10C4C061-1FC4-4F11-8DB2-CB378A18CF6F}" type="datetimeFigureOut">
               <a:rPr lang="zh-CN" altLang="en-US" smtClean="0"/>
               <a:t>2024/3/10</a:t>
             </a:fld>
@@ -2915,7 +2915,7 @@
           <p:cNvPr id="5" name="页脚占位符 4">
             <a:extLst>
               <a:ext uri="{FF2B5EF4-FFF2-40B4-BE49-F238E27FC236}">
-                <a16:creationId xmlns:a16="http://schemas.microsoft.com/office/drawing/2014/main" id="{CFECC36B-C89D-C110-18FC-16666674FF22}"/>
+                <a16:creationId xmlns:a16="http://schemas.microsoft.com/office/drawing/2014/main" id="{98E2E846-AC6C-8C34-C65B-1220352DBA6A}"/>
               </a:ext>
             </a:extLst>
           </p:cNvPr>
@@ -2958,7 +2958,7 @@
           <p:cNvPr id="6" name="灯片编号占位符 5">
             <a:extLst>
               <a:ext uri="{FF2B5EF4-FFF2-40B4-BE49-F238E27FC236}">
-                <a16:creationId xmlns:a16="http://schemas.microsoft.com/office/drawing/2014/main" id="{E36857D5-683C-1218-1B93-FD0C6D120B3F}"/>
+                <a16:creationId xmlns:a16="http://schemas.microsoft.com/office/drawing/2014/main" id="{9AFC23B5-2BB1-D45F-FA3A-596F87966895}"/>
               </a:ext>
             </a:extLst>
           </p:cNvPr>
@@ -2992,7 +2992,7 @@
             </a:lvl1pPr>
           </a:lstStyle>
           <a:p>
-            <a:fld id="{8A5ADB03-EEF5-48DB-A9B0-DD3FD0768C40}" type="slidenum">
+            <a:fld id="{1CF22977-3005-479C-BA7C-EB1E09383F3B}" type="slidenum">
               <a:rPr lang="zh-CN" altLang="en-US" smtClean="0"/>
               <a:t>‹#›</a:t>
             </a:fld>
@@ -3003,7 +3003,7 @@
     </p:spTree>
     <p:extLst>
       <p:ext uri="{BB962C8B-B14F-4D97-AF65-F5344CB8AC3E}">
-        <p14:creationId xmlns:p14="http://schemas.microsoft.com/office/powerpoint/2010/main" val="3888901130"/>
+        <p14:creationId xmlns:p14="http://schemas.microsoft.com/office/powerpoint/2010/main" val="980099254"/>
       </p:ext>
     </p:extLst>
   </p:cSld>
